--- a/Paper Reading/___report/pre_1.25_朱正阳.pptx
+++ b/Paper Reading/___report/pre_1.25_朱正阳.pptx
@@ -5,7 +5,7 @@
     <p:sldMasterId id="2147483654" r:id="rId1"/>
   </p:sldMasterIdLst>
   <p:notesMasterIdLst>
-    <p:notesMasterId r:id="rId18"/>
+    <p:notesMasterId r:id="rId19"/>
   </p:notesMasterIdLst>
   <p:sldIdLst>
     <p:sldId id="428" r:id="rId2"/>
@@ -18,12 +18,13 @@
     <p:sldId id="433" r:id="rId9"/>
     <p:sldId id="441" r:id="rId10"/>
     <p:sldId id="443" r:id="rId11"/>
-    <p:sldId id="435" r:id="rId12"/>
-    <p:sldId id="436" r:id="rId13"/>
-    <p:sldId id="437" r:id="rId14"/>
-    <p:sldId id="438" r:id="rId15"/>
-    <p:sldId id="440" r:id="rId16"/>
-    <p:sldId id="427" r:id="rId17"/>
+    <p:sldId id="444" r:id="rId12"/>
+    <p:sldId id="435" r:id="rId13"/>
+    <p:sldId id="436" r:id="rId14"/>
+    <p:sldId id="437" r:id="rId15"/>
+    <p:sldId id="438" r:id="rId16"/>
+    <p:sldId id="440" r:id="rId17"/>
+    <p:sldId id="427" r:id="rId18"/>
   </p:sldIdLst>
   <p:sldSz cx="12192000" cy="6858000"/>
   <p:notesSz cx="6858000" cy="9144000"/>
@@ -132,7 +133,7 @@
 
 <file path=ppt/commentAuthors.xml><?xml version="1.0" encoding="utf-8"?>
 <p:cmAuthorLst xmlns:a="http://schemas.openxmlformats.org/drawingml/2006/main" xmlns:r="http://schemas.openxmlformats.org/officeDocument/2006/relationships" xmlns:p="http://schemas.openxmlformats.org/presentationml/2006/main">
-  <p:cmAuthor id="1" name="郭瀚阳" initials="瀚郭" lastIdx="3" clrIdx="0">
+  <p:cmAuthor id="1" name="郭瀚阳" initials="瀚郭" lastIdx="4" clrIdx="0">
     <p:extLst>
       <p:ext uri="{19B8F6BF-5375-455C-9EA6-DF929625EA0E}">
         <p15:presenceInfo xmlns:p15="http://schemas.microsoft.com/office/powerpoint/2012/main" userId="S::guohy36@ms.sysu.edu.cn::ef259d46-19e9-45ff-9982-0e8810bbed94" providerId="AD"/>
@@ -200,6 +201,20 @@
 </p:cmLst>
 </file>
 
+<file path=ppt/comments/comment3.xml><?xml version="1.0" encoding="utf-8"?>
+<p:cmLst xmlns:a="http://schemas.openxmlformats.org/drawingml/2006/main" xmlns:r="http://schemas.openxmlformats.org/officeDocument/2006/relationships" xmlns:p="http://schemas.openxmlformats.org/presentationml/2006/main">
+  <p:cm authorId="1" dt="2025-01-19T14:19:09.790" idx="4">
+    <p:pos x="10" y="10"/>
+    <p:text>这一页之前要不要加一个总的overview的图，就是你周报里画的那个methodology的图</p:text>
+    <p:extLst>
+      <p:ext uri="{C676402C-5697-4E1C-873F-D02D1690AC5C}">
+        <p15:threadingInfo xmlns:p15="http://schemas.microsoft.com/office/powerpoint/2012/main" timeZoneBias="-480"/>
+      </p:ext>
+    </p:extLst>
+  </p:cm>
+</p:cmLst>
+</file>
+
 <file path=ppt/notesMasters/notesMaster1.xml><?xml version="1.0" encoding="utf-8"?>
 <p:notesMaster xmlns:a="http://schemas.openxmlformats.org/drawingml/2006/main" xmlns:r="http://schemas.openxmlformats.org/officeDocument/2006/relationships" xmlns:p="http://schemas.openxmlformats.org/presentationml/2006/main">
   <p:cSld>
@@ -282,7 +297,7 @@
           <a:p>
             <a:fld id="{71440A07-CB81-B94E-8486-6299C881C602}" type="datetimeFigureOut">
               <a:rPr kumimoji="1" lang="zh-CN" altLang="en-US" smtClean="0"/>
-              <a:t>2025/1/25</a:t>
+              <a:t>2025/3/2</a:t>
             </a:fld>
             <a:endParaRPr kumimoji="1" lang="zh-CN" altLang="en-US"/>
           </a:p>
@@ -749,6 +764,114 @@
         <p:cNvPr id="1" name="">
           <a:extLst>
             <a:ext uri="{FF2B5EF4-FFF2-40B4-BE49-F238E27FC236}">
+              <a16:creationId xmlns:a16="http://schemas.microsoft.com/office/drawing/2014/main" id="{959C53B6-90B3-E89B-E0D4-524339FF6964}"/>
+            </a:ext>
+          </a:extLst>
+        </p:cNvPr>
+        <p:cNvGrpSpPr/>
+        <p:nvPr/>
+      </p:nvGrpSpPr>
+      <p:grpSpPr>
+        <a:xfrm>
+          <a:off x="0" y="0"/>
+          <a:ext cx="0" cy="0"/>
+          <a:chOff x="0" y="0"/>
+          <a:chExt cx="0" cy="0"/>
+        </a:xfrm>
+      </p:grpSpPr>
+      <p:sp>
+        <p:nvSpPr>
+          <p:cNvPr id="2" name="幻灯片图像占位符 1">
+            <a:extLst>
+              <a:ext uri="{FF2B5EF4-FFF2-40B4-BE49-F238E27FC236}">
+                <a16:creationId xmlns:a16="http://schemas.microsoft.com/office/drawing/2014/main" id="{F995FC2F-DE8F-C60E-B158-1A356913CB7D}"/>
+              </a:ext>
+            </a:extLst>
+          </p:cNvPr>
+          <p:cNvSpPr>
+            <a:spLocks noGrp="1" noRot="1" noChangeAspect="1"/>
+          </p:cNvSpPr>
+          <p:nvPr>
+            <p:ph type="sldImg"/>
+          </p:nvPr>
+        </p:nvSpPr>
+        <p:spPr/>
+      </p:sp>
+      <p:sp>
+        <p:nvSpPr>
+          <p:cNvPr id="3" name="备注占位符 2">
+            <a:extLst>
+              <a:ext uri="{FF2B5EF4-FFF2-40B4-BE49-F238E27FC236}">
+                <a16:creationId xmlns:a16="http://schemas.microsoft.com/office/drawing/2014/main" id="{D2BAEFF7-A7AF-4154-9C09-650DFD13AEF2}"/>
+              </a:ext>
+            </a:extLst>
+          </p:cNvPr>
+          <p:cNvSpPr>
+            <a:spLocks noGrp="1"/>
+          </p:cNvSpPr>
+          <p:nvPr>
+            <p:ph type="body" idx="1"/>
+          </p:nvPr>
+        </p:nvSpPr>
+        <p:spPr/>
+        <p:txBody>
+          <a:bodyPr/>
+          <a:lstStyle/>
+          <a:p>
+            <a:endParaRPr kumimoji="1" lang="zh-CN" altLang="en-US" sz="1200" dirty="0"/>
+          </a:p>
+        </p:txBody>
+      </p:sp>
+      <p:sp>
+        <p:nvSpPr>
+          <p:cNvPr id="4" name="灯片编号占位符 3">
+            <a:extLst>
+              <a:ext uri="{FF2B5EF4-FFF2-40B4-BE49-F238E27FC236}">
+                <a16:creationId xmlns:a16="http://schemas.microsoft.com/office/drawing/2014/main" id="{98C752FA-FA7B-5113-1971-EE9400E54A0E}"/>
+              </a:ext>
+            </a:extLst>
+          </p:cNvPr>
+          <p:cNvSpPr>
+            <a:spLocks noGrp="1"/>
+          </p:cNvSpPr>
+          <p:nvPr>
+            <p:ph type="sldNum" sz="quarter" idx="5"/>
+          </p:nvPr>
+        </p:nvSpPr>
+        <p:spPr/>
+        <p:txBody>
+          <a:bodyPr/>
+          <a:lstStyle/>
+          <a:p>
+            <a:fld id="{929EFDB2-DEE3-F041-A376-A8AE77F3A626}" type="slidenum">
+              <a:rPr kumimoji="1" lang="zh-CN" altLang="en-US" smtClean="0"/>
+              <a:t>11</a:t>
+            </a:fld>
+            <a:endParaRPr kumimoji="1" lang="zh-CN" altLang="en-US"/>
+          </a:p>
+        </p:txBody>
+      </p:sp>
+    </p:spTree>
+    <p:extLst>
+      <p:ext uri="{BB962C8B-B14F-4D97-AF65-F5344CB8AC3E}">
+        <p14:creationId xmlns:p14="http://schemas.microsoft.com/office/powerpoint/2010/main" val="3572684459"/>
+      </p:ext>
+    </p:extLst>
+  </p:cSld>
+  <p:clrMapOvr>
+    <a:masterClrMapping/>
+  </p:clrMapOvr>
+</p:notes>
+</file>
+
+<file path=ppt/notesSlides/notesSlide12.xml><?xml version="1.0" encoding="utf-8"?>
+<p:notes xmlns:a="http://schemas.openxmlformats.org/drawingml/2006/main" xmlns:r="http://schemas.openxmlformats.org/officeDocument/2006/relationships" xmlns:p="http://schemas.openxmlformats.org/presentationml/2006/main">
+  <p:cSld>
+    <p:spTree>
+      <p:nvGrpSpPr>
+        <p:cNvPr id="1" name="">
+          <a:extLst>
+            <a:ext uri="{FF2B5EF4-FFF2-40B4-BE49-F238E27FC236}">
               <a16:creationId xmlns:a16="http://schemas.microsoft.com/office/drawing/2014/main" id="{52E63CF3-EA68-6D5B-411C-DFF62521DF11}"/>
             </a:ext>
           </a:extLst>
@@ -830,7 +953,7 @@
           <a:p>
             <a:fld id="{929EFDB2-DEE3-F041-A376-A8AE77F3A626}" type="slidenum">
               <a:rPr kumimoji="1" lang="zh-CN" altLang="en-US" smtClean="0"/>
-              <a:t>11</a:t>
+              <a:t>12</a:t>
             </a:fld>
             <a:endParaRPr kumimoji="1" lang="zh-CN" altLang="en-US"/>
           </a:p>
@@ -849,7 +972,7 @@
 </p:notes>
 </file>
 
-<file path=ppt/notesSlides/notesSlide12.xml><?xml version="1.0" encoding="utf-8"?>
+<file path=ppt/notesSlides/notesSlide13.xml><?xml version="1.0" encoding="utf-8"?>
 <p:notes xmlns:a="http://schemas.openxmlformats.org/drawingml/2006/main" xmlns:r="http://schemas.openxmlformats.org/officeDocument/2006/relationships" xmlns:p="http://schemas.openxmlformats.org/presentationml/2006/main">
   <p:cSld>
     <p:spTree>
@@ -938,7 +1061,7 @@
           <a:p>
             <a:fld id="{929EFDB2-DEE3-F041-A376-A8AE77F3A626}" type="slidenum">
               <a:rPr kumimoji="1" lang="zh-CN" altLang="en-US" smtClean="0"/>
-              <a:t>12</a:t>
+              <a:t>13</a:t>
             </a:fld>
             <a:endParaRPr kumimoji="1" lang="zh-CN" altLang="en-US"/>
           </a:p>
@@ -957,7 +1080,7 @@
 </p:notes>
 </file>
 
-<file path=ppt/notesSlides/notesSlide13.xml><?xml version="1.0" encoding="utf-8"?>
+<file path=ppt/notesSlides/notesSlide14.xml><?xml version="1.0" encoding="utf-8"?>
 <p:notes xmlns:a="http://schemas.openxmlformats.org/drawingml/2006/main" xmlns:r="http://schemas.openxmlformats.org/officeDocument/2006/relationships" xmlns:p="http://schemas.openxmlformats.org/presentationml/2006/main">
   <p:cSld>
     <p:spTree>
@@ -1046,7 +1169,7 @@
           <a:p>
             <a:fld id="{929EFDB2-DEE3-F041-A376-A8AE77F3A626}" type="slidenum">
               <a:rPr kumimoji="1" lang="zh-CN" altLang="en-US" smtClean="0"/>
-              <a:t>13</a:t>
+              <a:t>14</a:t>
             </a:fld>
             <a:endParaRPr kumimoji="1" lang="zh-CN" altLang="en-US"/>
           </a:p>
@@ -1065,7 +1188,7 @@
 </p:notes>
 </file>
 
-<file path=ppt/notesSlides/notesSlide14.xml><?xml version="1.0" encoding="utf-8"?>
+<file path=ppt/notesSlides/notesSlide15.xml><?xml version="1.0" encoding="utf-8"?>
 <p:notes xmlns:a="http://schemas.openxmlformats.org/drawingml/2006/main" xmlns:r="http://schemas.openxmlformats.org/officeDocument/2006/relationships" xmlns:p="http://schemas.openxmlformats.org/presentationml/2006/main">
   <p:cSld>
     <p:spTree>
@@ -1154,7 +1277,7 @@
           <a:p>
             <a:fld id="{929EFDB2-DEE3-F041-A376-A8AE77F3A626}" type="slidenum">
               <a:rPr kumimoji="1" lang="zh-CN" altLang="en-US" smtClean="0"/>
-              <a:t>14</a:t>
+              <a:t>15</a:t>
             </a:fld>
             <a:endParaRPr kumimoji="1" lang="zh-CN" altLang="en-US"/>
           </a:p>
@@ -1173,7 +1296,7 @@
 </p:notes>
 </file>
 
-<file path=ppt/notesSlides/notesSlide15.xml><?xml version="1.0" encoding="utf-8"?>
+<file path=ppt/notesSlides/notesSlide16.xml><?xml version="1.0" encoding="utf-8"?>
 <p:notes xmlns:a="http://schemas.openxmlformats.org/drawingml/2006/main" xmlns:r="http://schemas.openxmlformats.org/officeDocument/2006/relationships" xmlns:p="http://schemas.openxmlformats.org/presentationml/2006/main">
   <p:cSld>
     <p:spTree>
@@ -1262,7 +1385,7 @@
           <a:p>
             <a:fld id="{929EFDB2-DEE3-F041-A376-A8AE77F3A626}" type="slidenum">
               <a:rPr kumimoji="1" lang="zh-CN" altLang="en-US" smtClean="0"/>
-              <a:t>15</a:t>
+              <a:t>16</a:t>
             </a:fld>
             <a:endParaRPr kumimoji="1" lang="zh-CN" altLang="en-US"/>
           </a:p>
@@ -3508,16 +3631,12 @@
               </a:spcAft>
             </a:pPr>
             <a:r>
-              <a:rPr lang="en-US" altLang="zh-CN" sz="2400">
+              <a:rPr lang="en-US" altLang="zh-CN" sz="2400" dirty="0">
                 <a:latin typeface="Microsoft YaHei" panose="020B0503020204020204" pitchFamily="34" charset="-122"/>
                 <a:ea typeface="Microsoft YaHei" panose="020B0503020204020204" pitchFamily="34" charset="-122"/>
               </a:rPr>
-              <a:t>2025.1.25</a:t>
-            </a:r>
-            <a:endParaRPr lang="en-US" altLang="zh-CN" sz="2400" dirty="0">
-              <a:latin typeface="Microsoft YaHei" panose="020B0503020204020204" pitchFamily="34" charset="-122"/>
-              <a:ea typeface="Microsoft YaHei" panose="020B0503020204020204" pitchFamily="34" charset="-122"/>
-            </a:endParaRPr>
+              <a:t>2025.3.5</a:t>
+            </a:r>
           </a:p>
         </p:txBody>
       </p:sp>
@@ -3738,14 +3857,20 @@
           <a:lstStyle/>
           <a:p>
             <a:r>
-              <a:rPr lang="en-US" altLang="zh-CN" sz="2800" b="1" dirty="0">
+              <a:rPr lang="en-US" altLang="zh-CN" sz="2800" b="1">
                 <a:latin typeface="微软雅黑" panose="020B0503020204020204" pitchFamily="34" charset="-122"/>
                 <a:ea typeface="微软雅黑" panose="020B0503020204020204" pitchFamily="34" charset="-122"/>
                 <a:cs typeface="Times New Roman" panose="02020603050405020304" charset="0"/>
                 <a:sym typeface="+mn-ea"/>
               </a:rPr>
-              <a:t>Data Collection</a:t>
-            </a:r>
+              <a:t>Overview</a:t>
+            </a:r>
+            <a:endParaRPr lang="en-US" altLang="zh-CN" sz="2800" b="1" dirty="0">
+              <a:latin typeface="微软雅黑" panose="020B0503020204020204" pitchFamily="34" charset="-122"/>
+              <a:ea typeface="微软雅黑" panose="020B0503020204020204" pitchFamily="34" charset="-122"/>
+              <a:cs typeface="Times New Roman" panose="02020603050405020304" charset="0"/>
+              <a:sym typeface="+mn-ea"/>
+            </a:endParaRPr>
           </a:p>
         </p:txBody>
       </p:sp>
@@ -3956,6 +4081,295 @@
         <p:cNvPr id="1" name="">
           <a:extLst>
             <a:ext uri="{FF2B5EF4-FFF2-40B4-BE49-F238E27FC236}">
+              <a16:creationId xmlns:a16="http://schemas.microsoft.com/office/drawing/2014/main" id="{041F0530-2721-9178-8CBC-FEC9F0C99CBF}"/>
+            </a:ext>
+          </a:extLst>
+        </p:cNvPr>
+        <p:cNvGrpSpPr/>
+        <p:nvPr/>
+      </p:nvGrpSpPr>
+      <p:grpSpPr>
+        <a:xfrm>
+          <a:off x="0" y="0"/>
+          <a:ext cx="0" cy="0"/>
+          <a:chOff x="0" y="0"/>
+          <a:chExt cx="0" cy="0"/>
+        </a:xfrm>
+      </p:grpSpPr>
+      <p:sp>
+        <p:nvSpPr>
+          <p:cNvPr id="8" name="标题 7">
+            <a:extLst>
+              <a:ext uri="{FF2B5EF4-FFF2-40B4-BE49-F238E27FC236}">
+                <a16:creationId xmlns:a16="http://schemas.microsoft.com/office/drawing/2014/main" id="{9748BDB0-FD48-4095-97C2-136BDCD4E752}"/>
+              </a:ext>
+            </a:extLst>
+          </p:cNvPr>
+          <p:cNvSpPr>
+            <a:spLocks noGrp="1"/>
+          </p:cNvSpPr>
+          <p:nvPr>
+            <p:ph type="title"/>
+          </p:nvPr>
+        </p:nvSpPr>
+        <p:spPr/>
+        <p:txBody>
+          <a:bodyPr/>
+          <a:lstStyle/>
+          <a:p>
+            <a:r>
+              <a:rPr lang="en-US" altLang="zh-CN" dirty="0"/>
+              <a:t>Workflow</a:t>
+            </a:r>
+            <a:endParaRPr lang="zh-CN" altLang="en-US" dirty="0"/>
+          </a:p>
+        </p:txBody>
+      </p:sp>
+      <p:sp>
+        <p:nvSpPr>
+          <p:cNvPr id="15" name="内容占位符 14">
+            <a:extLst>
+              <a:ext uri="{FF2B5EF4-FFF2-40B4-BE49-F238E27FC236}">
+                <a16:creationId xmlns:a16="http://schemas.microsoft.com/office/drawing/2014/main" id="{A4D2F9EB-E123-623E-8FC3-F3B26B8092C8}"/>
+              </a:ext>
+            </a:extLst>
+          </p:cNvPr>
+          <p:cNvSpPr>
+            <a:spLocks noGrp="1"/>
+          </p:cNvSpPr>
+          <p:nvPr>
+            <p:ph idx="1"/>
+          </p:nvPr>
+        </p:nvSpPr>
+        <p:spPr>
+          <a:xfrm>
+            <a:off x="346709" y="1002642"/>
+            <a:ext cx="11199741" cy="523220"/>
+          </a:xfrm>
+        </p:spPr>
+        <p:txBody>
+          <a:bodyPr/>
+          <a:lstStyle/>
+          <a:p>
+            <a:r>
+              <a:rPr lang="en-US" altLang="zh-CN" sz="2800" b="1" dirty="0">
+                <a:latin typeface="微软雅黑" panose="020B0503020204020204" pitchFamily="34" charset="-122"/>
+                <a:ea typeface="微软雅黑" panose="020B0503020204020204" pitchFamily="34" charset="-122"/>
+                <a:cs typeface="Times New Roman" panose="02020603050405020304" charset="0"/>
+                <a:sym typeface="+mn-ea"/>
+              </a:rPr>
+              <a:t>Data Collection</a:t>
+            </a:r>
+          </a:p>
+        </p:txBody>
+      </p:sp>
+      <p:sp>
+        <p:nvSpPr>
+          <p:cNvPr id="21" name="内容占位符 4">
+            <a:extLst>
+              <a:ext uri="{FF2B5EF4-FFF2-40B4-BE49-F238E27FC236}">
+                <a16:creationId xmlns:a16="http://schemas.microsoft.com/office/drawing/2014/main" id="{F2F57D5E-59C2-373C-8B8D-41D7D75593FD}"/>
+              </a:ext>
+            </a:extLst>
+          </p:cNvPr>
+          <p:cNvSpPr>
+            <a:spLocks noGrp="1"/>
+          </p:cNvSpPr>
+          <p:nvPr>
+            <p:ph idx="13"/>
+          </p:nvPr>
+        </p:nvSpPr>
+        <p:spPr>
+          <a:xfrm>
+            <a:off x="750085" y="1525862"/>
+            <a:ext cx="10691829" cy="2241960"/>
+          </a:xfrm>
+        </p:spPr>
+        <p:txBody>
+          <a:bodyPr/>
+          <a:lstStyle/>
+          <a:p>
+            <a:r>
+              <a:rPr lang="en-US" altLang="zh-CN" sz="2400" dirty="0">
+                <a:latin typeface="Times New Roman" panose="02020603050405020304" charset="0"/>
+                <a:cs typeface="Times New Roman" panose="02020603050405020304" charset="0"/>
+              </a:rPr>
+              <a:t>Construct a Unity open-source VR project data set;</a:t>
+            </a:r>
+          </a:p>
+          <a:p>
+            <a:r>
+              <a:rPr lang="en-US" altLang="zh-CN" sz="2400" dirty="0">
+                <a:latin typeface="Times New Roman" panose="02020603050405020304" charset="0"/>
+                <a:cs typeface="Times New Roman" panose="02020603050405020304" charset="0"/>
+              </a:rPr>
+              <a:t>Result: 971 GitHub repos; After manifest validation and manual check, 104 quality repos</a:t>
+            </a:r>
+          </a:p>
+          <a:p>
+            <a:r>
+              <a:rPr lang="en-US" altLang="zh-CN" sz="2400" dirty="0">
+                <a:latin typeface="Times New Roman" panose="02020603050405020304" charset="0"/>
+                <a:cs typeface="Times New Roman" panose="02020603050405020304" charset="0"/>
+              </a:rPr>
+              <a:t>Bug characteristics analysis, root cause analysis, and general VR task pre-defined</a:t>
+            </a:r>
+          </a:p>
+        </p:txBody>
+      </p:sp>
+      <p:sp>
+        <p:nvSpPr>
+          <p:cNvPr id="9" name="灯片编号占位符 3">
+            <a:extLst>
+              <a:ext uri="{FF2B5EF4-FFF2-40B4-BE49-F238E27FC236}">
+                <a16:creationId xmlns:a16="http://schemas.microsoft.com/office/drawing/2014/main" id="{4FC97E65-CA09-C105-3E2A-05F6110CE7A3}"/>
+              </a:ext>
+            </a:extLst>
+          </p:cNvPr>
+          <p:cNvSpPr>
+            <a:spLocks noGrp="1"/>
+          </p:cNvSpPr>
+          <p:nvPr>
+            <p:ph type="sldNum" sz="quarter" idx="12"/>
+          </p:nvPr>
+        </p:nvSpPr>
+        <p:spPr>
+          <a:xfrm>
+            <a:off x="9147811" y="6338999"/>
+            <a:ext cx="2743200" cy="365125"/>
+          </a:xfrm>
+        </p:spPr>
+        <p:txBody>
+          <a:bodyPr/>
+          <a:lstStyle/>
+          <a:p>
+            <a:fld id="{4E334DFF-A8DE-B148-81B1-4F37B46AC470}" type="slidenum">
+              <a:rPr kumimoji="1" lang="zh-CN" altLang="en-US" smtClean="0"/>
+              <a:pPr/>
+              <a:t>11</a:t>
+            </a:fld>
+            <a:endParaRPr kumimoji="1" lang="zh-CN" altLang="en-US" dirty="0"/>
+          </a:p>
+        </p:txBody>
+      </p:sp>
+      <p:grpSp>
+        <p:nvGrpSpPr>
+          <p:cNvPr id="11" name="组合 10">
+            <a:extLst>
+              <a:ext uri="{FF2B5EF4-FFF2-40B4-BE49-F238E27FC236}">
+                <a16:creationId xmlns:a16="http://schemas.microsoft.com/office/drawing/2014/main" id="{CBCE9A0C-9AE4-08B3-1515-B3E100F475D9}"/>
+              </a:ext>
+            </a:extLst>
+          </p:cNvPr>
+          <p:cNvGrpSpPr/>
+          <p:nvPr/>
+        </p:nvGrpSpPr>
+        <p:grpSpPr>
+          <a:xfrm>
+            <a:off x="3441674" y="4496146"/>
+            <a:ext cx="4344138" cy="1889544"/>
+            <a:chOff x="3441674" y="4496146"/>
+            <a:chExt cx="4344138" cy="1889544"/>
+          </a:xfrm>
+        </p:grpSpPr>
+        <p:pic>
+          <p:nvPicPr>
+            <p:cNvPr id="3" name="图片 2">
+              <a:extLst>
+                <a:ext uri="{FF2B5EF4-FFF2-40B4-BE49-F238E27FC236}">
+                  <a16:creationId xmlns:a16="http://schemas.microsoft.com/office/drawing/2014/main" id="{49FB8912-76B4-3FA4-A17B-FA7B8F51EC23}"/>
+                </a:ext>
+              </a:extLst>
+            </p:cNvPr>
+            <p:cNvPicPr>
+              <a:picLocks noChangeAspect="1"/>
+            </p:cNvPicPr>
+            <p:nvPr/>
+          </p:nvPicPr>
+          <p:blipFill>
+            <a:blip r:embed="rId3"/>
+            <a:stretch>
+              <a:fillRect/>
+            </a:stretch>
+          </p:blipFill>
+          <p:spPr>
+            <a:xfrm>
+              <a:off x="3817580" y="4496146"/>
+              <a:ext cx="3592326" cy="1520212"/>
+            </a:xfrm>
+            <a:prstGeom prst="rect">
+              <a:avLst/>
+            </a:prstGeom>
+          </p:spPr>
+        </p:pic>
+        <p:sp>
+          <p:nvSpPr>
+            <p:cNvPr id="10" name="文本框 9">
+              <a:extLst>
+                <a:ext uri="{FF2B5EF4-FFF2-40B4-BE49-F238E27FC236}">
+                  <a16:creationId xmlns:a16="http://schemas.microsoft.com/office/drawing/2014/main" id="{F33B1DB8-A609-2B5A-A13C-6ADDA8947027}"/>
+                </a:ext>
+              </a:extLst>
+            </p:cNvPr>
+            <p:cNvSpPr txBox="1"/>
+            <p:nvPr/>
+          </p:nvSpPr>
+          <p:spPr>
+            <a:xfrm>
+              <a:off x="3441674" y="6016358"/>
+              <a:ext cx="4344138" cy="369332"/>
+            </a:xfrm>
+            <a:prstGeom prst="rect">
+              <a:avLst/>
+            </a:prstGeom>
+            <a:noFill/>
+          </p:spPr>
+          <p:txBody>
+            <a:bodyPr wrap="none" rtlCol="0">
+              <a:spAutoFit/>
+            </a:bodyPr>
+            <a:lstStyle/>
+            <a:p>
+              <a:r>
+                <a:rPr lang="en-US" altLang="zh-CN" sz="1800" b="1" dirty="0">
+                  <a:latin typeface="Times New Roman" panose="02020603050405020304" charset="0"/>
+                  <a:cs typeface="Times New Roman" panose="02020603050405020304" charset="0"/>
+                </a:rPr>
+                <a:t>Fig. </a:t>
+              </a:r>
+              <a:r>
+                <a:rPr lang="en-US" altLang="zh-CN" b="1" dirty="0">
+                  <a:latin typeface="Times New Roman" panose="02020603050405020304" charset="0"/>
+                  <a:cs typeface="Times New Roman" panose="02020603050405020304" charset="0"/>
+                </a:rPr>
+                <a:t>press button(move and trigger action)</a:t>
+              </a:r>
+              <a:endParaRPr lang="zh-CN" altLang="en-US" dirty="0"/>
+            </a:p>
+          </p:txBody>
+        </p:sp>
+      </p:grpSp>
+    </p:spTree>
+    <p:extLst>
+      <p:ext uri="{BB962C8B-B14F-4D97-AF65-F5344CB8AC3E}">
+        <p14:creationId xmlns:p14="http://schemas.microsoft.com/office/powerpoint/2010/main" val="3275741724"/>
+      </p:ext>
+    </p:extLst>
+  </p:cSld>
+  <p:clrMapOvr>
+    <a:masterClrMapping/>
+  </p:clrMapOvr>
+</p:sld>
+</file>
+
+<file path=ppt/slides/slide12.xml><?xml version="1.0" encoding="utf-8"?>
+<p:sld xmlns:a="http://schemas.openxmlformats.org/drawingml/2006/main" xmlns:r="http://schemas.openxmlformats.org/officeDocument/2006/relationships" xmlns:p="http://schemas.openxmlformats.org/presentationml/2006/main">
+  <p:cSld>
+    <p:spTree>
+      <p:nvGrpSpPr>
+        <p:cNvPr id="1" name="">
+          <a:extLst>
+            <a:ext uri="{FF2B5EF4-FFF2-40B4-BE49-F238E27FC236}">
               <a16:creationId xmlns:a16="http://schemas.microsoft.com/office/drawing/2014/main" id="{47278693-1C88-FC2B-D95C-A191A6A5FE70}"/>
             </a:ext>
           </a:extLst>
@@ -4112,7 +4526,7 @@
             <a:fld id="{4E334DFF-A8DE-B148-81B1-4F37B46AC470}" type="slidenum">
               <a:rPr kumimoji="1" lang="zh-CN" altLang="en-US" smtClean="0"/>
               <a:pPr/>
-              <a:t>11</a:t>
+              <a:t>12</a:t>
             </a:fld>
             <a:endParaRPr kumimoji="1" lang="zh-CN" altLang="en-US" dirty="0"/>
           </a:p>
@@ -4200,7 +4614,7 @@
 </p:sld>
 </file>
 
-<file path=ppt/slides/slide12.xml><?xml version="1.0" encoding="utf-8"?>
+<file path=ppt/slides/slide13.xml><?xml version="1.0" encoding="utf-8"?>
 <p:sld xmlns:a="http://schemas.openxmlformats.org/drawingml/2006/main" xmlns:r="http://schemas.openxmlformats.org/officeDocument/2006/relationships" xmlns:p="http://schemas.openxmlformats.org/presentationml/2006/main">
   <p:cSld>
     <p:spTree>
@@ -4373,7 +4787,7 @@
             <a:fld id="{4E334DFF-A8DE-B148-81B1-4F37B46AC470}" type="slidenum">
               <a:rPr kumimoji="1" lang="zh-CN" altLang="en-US" smtClean="0"/>
               <a:pPr/>
-              <a:t>12</a:t>
+              <a:t>13</a:t>
             </a:fld>
             <a:endParaRPr kumimoji="1" lang="zh-CN" altLang="en-US" dirty="0"/>
           </a:p>
@@ -4422,7 +4836,7 @@
 </p:sld>
 </file>
 
-<file path=ppt/slides/slide13.xml><?xml version="1.0" encoding="utf-8"?>
+<file path=ppt/slides/slide14.xml><?xml version="1.0" encoding="utf-8"?>
 <p:sld xmlns:a="http://schemas.openxmlformats.org/drawingml/2006/main" xmlns:r="http://schemas.openxmlformats.org/officeDocument/2006/relationships" xmlns:p="http://schemas.openxmlformats.org/presentationml/2006/main">
   <p:cSld>
     <p:spTree>
@@ -4541,7 +4955,7 @@
             <a:fld id="{4E334DFF-A8DE-B148-81B1-4F37B46AC470}" type="slidenum">
               <a:rPr kumimoji="1" lang="zh-CN" altLang="en-US" smtClean="0"/>
               <a:pPr/>
-              <a:t>13</a:t>
+              <a:t>14</a:t>
             </a:fld>
             <a:endParaRPr kumimoji="1" lang="zh-CN" altLang="en-US" dirty="0"/>
           </a:p>
@@ -7912,7 +8326,7 @@
 </p:sld>
 </file>
 
-<file path=ppt/slides/slide14.xml><?xml version="1.0" encoding="utf-8"?>
+<file path=ppt/slides/slide15.xml><?xml version="1.0" encoding="utf-8"?>
 <p:sld xmlns:a="http://schemas.openxmlformats.org/drawingml/2006/main" xmlns:r="http://schemas.openxmlformats.org/officeDocument/2006/relationships" xmlns:p="http://schemas.openxmlformats.org/presentationml/2006/main">
   <p:cSld>
     <p:spTree>
@@ -8031,7 +8445,7 @@
             <a:fld id="{4E334DFF-A8DE-B148-81B1-4F37B46AC470}" type="slidenum">
               <a:rPr kumimoji="1" lang="zh-CN" altLang="en-US" smtClean="0"/>
               <a:pPr/>
-              <a:t>14</a:t>
+              <a:t>15</a:t>
             </a:fld>
             <a:endParaRPr kumimoji="1" lang="zh-CN" altLang="en-US" dirty="0"/>
           </a:p>
@@ -8080,7 +8494,7 @@
 </p:sld>
 </file>
 
-<file path=ppt/slides/slide15.xml><?xml version="1.0" encoding="utf-8"?>
+<file path=ppt/slides/slide16.xml><?xml version="1.0" encoding="utf-8"?>
 <p:sld xmlns:a="http://schemas.openxmlformats.org/drawingml/2006/main" xmlns:r="http://schemas.openxmlformats.org/officeDocument/2006/relationships" xmlns:p="http://schemas.openxmlformats.org/presentationml/2006/main">
   <p:cSld>
     <p:spTree>
@@ -8295,7 +8709,7 @@
             <a:fld id="{4E334DFF-A8DE-B148-81B1-4F37B46AC470}" type="slidenum">
               <a:rPr kumimoji="1" lang="zh-CN" altLang="en-US" smtClean="0"/>
               <a:pPr/>
-              <a:t>15</a:t>
+              <a:t>16</a:t>
             </a:fld>
             <a:endParaRPr kumimoji="1" lang="zh-CN" altLang="en-US" dirty="0"/>
           </a:p>
@@ -8741,7 +9155,7 @@
 </p:sld>
 </file>
 
-<file path=ppt/slides/slide16.xml><?xml version="1.0" encoding="utf-8"?>
+<file path=ppt/slides/slide17.xml><?xml version="1.0" encoding="utf-8"?>
 <p:sld xmlns:a="http://schemas.openxmlformats.org/drawingml/2006/main" xmlns:r="http://schemas.openxmlformats.org/officeDocument/2006/relationships" xmlns:p="http://schemas.openxmlformats.org/presentationml/2006/main">
   <p:cSld>
     <p:spTree>
@@ -10689,7 +11103,7 @@
                 <a:latin typeface="Times New Roman" panose="02020603050405020304" charset="0"/>
                 <a:cs typeface="Times New Roman" panose="02020603050405020304" charset="0"/>
               </a:rPr>
-              <a:t>Improve evaluation metrics: State Coverage(SC), Interactable Objects Coverage (IOC), Method Coverage(MC) and Physical Interaction Coverage (PIC).</a:t>
+              <a:t>Improve evaluation metrics: Interactable Objects Coverage &amp; Method Coverage(MC)</a:t>
             </a:r>
           </a:p>
         </p:txBody>
